--- a/slides/2_regression.pptx
+++ b/slides/2_regression.pptx
@@ -136,7 +136,7 @@
   <pc:docChgLst>
     <pc:chgData name="Robbin Bouwmeester" userId="1dbfebabfc25a55a" providerId="LiveId" clId="{CBF92644-9F1C-4858-9FDB-CC24532BF7AE}"/>
     <pc:docChg chg="custSel modSld">
-      <pc:chgData name="Robbin Bouwmeester" userId="1dbfebabfc25a55a" providerId="LiveId" clId="{CBF92644-9F1C-4858-9FDB-CC24532BF7AE}" dt="2024-11-16T15:37:59.745" v="18" actId="478"/>
+      <pc:chgData name="Robbin Bouwmeester" userId="1dbfebabfc25a55a" providerId="LiveId" clId="{CBF92644-9F1C-4858-9FDB-CC24532BF7AE}" dt="2024-11-24T12:18:40.737" v="52" actId="1076"/>
       <pc:docMkLst>
         <pc:docMk/>
       </pc:docMkLst>
@@ -295,8 +295,8 @@
           </ac:cxnSpMkLst>
         </pc:cxnChg>
       </pc:sldChg>
-      <pc:sldChg chg="delSp mod">
-        <pc:chgData name="Robbin Bouwmeester" userId="1dbfebabfc25a55a" providerId="LiveId" clId="{CBF92644-9F1C-4858-9FDB-CC24532BF7AE}" dt="2024-11-16T15:37:24.651" v="5" actId="478"/>
+      <pc:sldChg chg="delSp modSp mod">
+        <pc:chgData name="Robbin Bouwmeester" userId="1dbfebabfc25a55a" providerId="LiveId" clId="{CBF92644-9F1C-4858-9FDB-CC24532BF7AE}" dt="2024-11-24T12:12:19.733" v="49" actId="20577"/>
         <pc:sldMkLst>
           <pc:docMk/>
           <pc:sldMk cId="3470715690" sldId="262"/>
@@ -307,6 +307,14 @@
             <pc:docMk/>
             <pc:sldMk cId="3470715690" sldId="262"/>
             <ac:spMk id="3" creationId="{ED8BBA53-EC60-79CB-F320-097F7E69CE65}"/>
+          </ac:spMkLst>
+        </pc:spChg>
+        <pc:spChg chg="mod">
+          <ac:chgData name="Robbin Bouwmeester" userId="1dbfebabfc25a55a" providerId="LiveId" clId="{CBF92644-9F1C-4858-9FDB-CC24532BF7AE}" dt="2024-11-24T12:12:19.733" v="49" actId="20577"/>
+          <ac:spMkLst>
+            <pc:docMk/>
+            <pc:sldMk cId="3470715690" sldId="262"/>
+            <ac:spMk id="6" creationId="{B7A5C175-1C73-D790-B022-5DF73A503328}"/>
           </ac:spMkLst>
         </pc:spChg>
         <pc:picChg chg="del">
@@ -481,8 +489,8 @@
           </ac:cxnSpMkLst>
         </pc:cxnChg>
       </pc:sldChg>
-      <pc:sldChg chg="delSp mod">
-        <pc:chgData name="Robbin Bouwmeester" userId="1dbfebabfc25a55a" providerId="LiveId" clId="{CBF92644-9F1C-4858-9FDB-CC24532BF7AE}" dt="2024-11-16T15:37:40.733" v="12" actId="478"/>
+      <pc:sldChg chg="delSp modSp mod">
+        <pc:chgData name="Robbin Bouwmeester" userId="1dbfebabfc25a55a" providerId="LiveId" clId="{CBF92644-9F1C-4858-9FDB-CC24532BF7AE}" dt="2024-11-24T12:18:40.737" v="52" actId="1076"/>
         <pc:sldMkLst>
           <pc:docMk/>
           <pc:sldMk cId="2468284909" sldId="268"/>
@@ -495,6 +503,14 @@
             <ac:spMk id="3" creationId="{16DB866D-98FB-F500-4846-71EB7D4EC347}"/>
           </ac:spMkLst>
         </pc:spChg>
+        <pc:picChg chg="mod">
+          <ac:chgData name="Robbin Bouwmeester" userId="1dbfebabfc25a55a" providerId="LiveId" clId="{CBF92644-9F1C-4858-9FDB-CC24532BF7AE}" dt="2024-11-24T12:18:40.737" v="52" actId="1076"/>
+          <ac:picMkLst>
+            <pc:docMk/>
+            <pc:sldMk cId="2468284909" sldId="268"/>
+            <ac:picMk id="7" creationId="{00000000-0000-0000-0000-000000000000}"/>
+          </ac:picMkLst>
+        </pc:picChg>
         <pc:picChg chg="del">
           <ac:chgData name="Robbin Bouwmeester" userId="1dbfebabfc25a55a" providerId="LiveId" clId="{CBF92644-9F1C-4858-9FDB-CC24532BF7AE}" dt="2024-11-16T15:37:40.733" v="12" actId="478"/>
           <ac:picMkLst>
@@ -754,7 +770,7 @@
           <a:p>
             <a:fld id="{B8AA53F8-D549-4BCE-B564-8781C50B17EE}" type="datetimeFigureOut">
               <a:rPr lang="en-GB" smtClean="0"/>
-              <a:t>16/11/2024</a:t>
+              <a:t>24/11/2024</a:t>
             </a:fld>
             <a:endParaRPr lang="en-GB"/>
           </a:p>
@@ -2500,7 +2516,7 @@
           <a:p>
             <a:fld id="{A1E18CBC-0603-47A6-97E2-86255A82367C}" type="datetimeFigureOut">
               <a:rPr lang="en-GB" smtClean="0"/>
-              <a:t>16/11/2024</a:t>
+              <a:t>24/11/2024</a:t>
             </a:fld>
             <a:endParaRPr lang="en-GB"/>
           </a:p>
@@ -2670,7 +2686,7 @@
           <a:p>
             <a:fld id="{A1E18CBC-0603-47A6-97E2-86255A82367C}" type="datetimeFigureOut">
               <a:rPr lang="en-GB" smtClean="0"/>
-              <a:t>16/11/2024</a:t>
+              <a:t>24/11/2024</a:t>
             </a:fld>
             <a:endParaRPr lang="en-GB"/>
           </a:p>
@@ -2850,7 +2866,7 @@
           <a:p>
             <a:fld id="{A1E18CBC-0603-47A6-97E2-86255A82367C}" type="datetimeFigureOut">
               <a:rPr lang="en-GB" smtClean="0"/>
-              <a:t>16/11/2024</a:t>
+              <a:t>24/11/2024</a:t>
             </a:fld>
             <a:endParaRPr lang="en-GB"/>
           </a:p>
@@ -3020,7 +3036,7 @@
           <a:p>
             <a:fld id="{A1E18CBC-0603-47A6-97E2-86255A82367C}" type="datetimeFigureOut">
               <a:rPr lang="en-GB" smtClean="0"/>
-              <a:t>16/11/2024</a:t>
+              <a:t>24/11/2024</a:t>
             </a:fld>
             <a:endParaRPr lang="en-GB"/>
           </a:p>
@@ -3266,7 +3282,7 @@
           <a:p>
             <a:fld id="{A1E18CBC-0603-47A6-97E2-86255A82367C}" type="datetimeFigureOut">
               <a:rPr lang="en-GB" smtClean="0"/>
-              <a:t>16/11/2024</a:t>
+              <a:t>24/11/2024</a:t>
             </a:fld>
             <a:endParaRPr lang="en-GB"/>
           </a:p>
@@ -3498,7 +3514,7 @@
           <a:p>
             <a:fld id="{A1E18CBC-0603-47A6-97E2-86255A82367C}" type="datetimeFigureOut">
               <a:rPr lang="en-GB" smtClean="0"/>
-              <a:t>16/11/2024</a:t>
+              <a:t>24/11/2024</a:t>
             </a:fld>
             <a:endParaRPr lang="en-GB"/>
           </a:p>
@@ -3865,7 +3881,7 @@
           <a:p>
             <a:fld id="{A1E18CBC-0603-47A6-97E2-86255A82367C}" type="datetimeFigureOut">
               <a:rPr lang="en-GB" smtClean="0"/>
-              <a:t>16/11/2024</a:t>
+              <a:t>24/11/2024</a:t>
             </a:fld>
             <a:endParaRPr lang="en-GB"/>
           </a:p>
@@ -3983,7 +3999,7 @@
           <a:p>
             <a:fld id="{A1E18CBC-0603-47A6-97E2-86255A82367C}" type="datetimeFigureOut">
               <a:rPr lang="en-GB" smtClean="0"/>
-              <a:t>16/11/2024</a:t>
+              <a:t>24/11/2024</a:t>
             </a:fld>
             <a:endParaRPr lang="en-GB"/>
           </a:p>
@@ -4078,7 +4094,7 @@
           <a:p>
             <a:fld id="{A1E18CBC-0603-47A6-97E2-86255A82367C}" type="datetimeFigureOut">
               <a:rPr lang="en-GB" smtClean="0"/>
-              <a:t>16/11/2024</a:t>
+              <a:t>24/11/2024</a:t>
             </a:fld>
             <a:endParaRPr lang="en-GB"/>
           </a:p>
@@ -4355,7 +4371,7 @@
           <a:p>
             <a:fld id="{A1E18CBC-0603-47A6-97E2-86255A82367C}" type="datetimeFigureOut">
               <a:rPr lang="en-GB" smtClean="0"/>
-              <a:t>16/11/2024</a:t>
+              <a:t>24/11/2024</a:t>
             </a:fld>
             <a:endParaRPr lang="en-GB"/>
           </a:p>
@@ -4608,7 +4624,7 @@
           <a:p>
             <a:fld id="{A1E18CBC-0603-47A6-97E2-86255A82367C}" type="datetimeFigureOut">
               <a:rPr lang="en-GB" smtClean="0"/>
-              <a:t>16/11/2024</a:t>
+              <a:t>24/11/2024</a:t>
             </a:fld>
             <a:endParaRPr lang="en-GB"/>
           </a:p>
@@ -4821,7 +4837,7 @@
           <a:p>
             <a:fld id="{A1E18CBC-0603-47A6-97E2-86255A82367C}" type="datetimeFigureOut">
               <a:rPr lang="en-GB" smtClean="0"/>
-              <a:t>16/11/2024</a:t>
+              <a:t>24/11/2024</a:t>
             </a:fld>
             <a:endParaRPr lang="en-GB"/>
           </a:p>
@@ -5928,8 +5944,8 @@
         </p:blipFill>
         <p:spPr>
           <a:xfrm>
-            <a:off x="9320213" y="3828632"/>
-            <a:ext cx="1438275" cy="790575"/>
+            <a:off x="9714057" y="3694074"/>
+            <a:ext cx="1955786" cy="1075035"/>
           </a:xfrm>
           <a:prstGeom prst="rect">
             <a:avLst/>
@@ -8591,7 +8607,7 @@
                 <a:ea typeface="Lato" panose="020B0604020202020204" pitchFamily="34" charset="0"/>
                 <a:cs typeface="Helvetica" panose="020B0604020202020204" pitchFamily="34" charset="0"/>
               </a:rPr>
-              <a:t>linear regression: fitting</a:t>
+              <a:t>linear regression: fitting (coefficient of determination)</a:t>
             </a:r>
             <a:endParaRPr lang="en-GB" sz="2800" dirty="0">
               <a:latin typeface="+mj-lt"/>
